--- a/chinese/天父的花園 無拼音.pptx
+++ b/chinese/天父的花園 無拼音.pptx
@@ -440,7 +440,7 @@
             <a:fld id="{BE28A310-4F55-4C17-B227-0167E754C3F0}" type="datetimeFigureOut">
               <a:rPr lang="zh-TW" altLang="en-US" smtClean="0"/>
               <a:pPr/>
-              <a:t>2018/11/2</a:t>
+              <a:t>2018/10/12</a:t>
             </a:fld>
             <a:endParaRPr lang="zh-TW" altLang="en-US"/>
           </a:p>
@@ -837,7 +837,7 @@
             <a:fld id="{BE28A310-4F55-4C17-B227-0167E754C3F0}" type="datetimeFigureOut">
               <a:rPr lang="zh-TW" altLang="en-US" smtClean="0"/>
               <a:pPr/>
-              <a:t>2018/11/2</a:t>
+              <a:t>2018/10/12</a:t>
             </a:fld>
             <a:endParaRPr lang="zh-TW" altLang="en-US"/>
           </a:p>
@@ -1375,7 +1375,7 @@
             <a:fld id="{BE28A310-4F55-4C17-B227-0167E754C3F0}" type="datetimeFigureOut">
               <a:rPr lang="zh-TW" altLang="en-US" smtClean="0"/>
               <a:pPr/>
-              <a:t>2018/11/2</a:t>
+              <a:t>2018/10/12</a:t>
             </a:fld>
             <a:endParaRPr lang="zh-TW" altLang="en-US"/>
           </a:p>
@@ -1692,7 +1692,7 @@
             <a:fld id="{BE28A310-4F55-4C17-B227-0167E754C3F0}" type="datetimeFigureOut">
               <a:rPr lang="zh-TW" altLang="en-US" smtClean="0"/>
               <a:pPr/>
-              <a:t>2018/11/2</a:t>
+              <a:t>2018/10/12</a:t>
             </a:fld>
             <a:endParaRPr lang="zh-TW" altLang="en-US"/>
           </a:p>
@@ -2147,7 +2147,7 @@
             <a:fld id="{BE28A310-4F55-4C17-B227-0167E754C3F0}" type="datetimeFigureOut">
               <a:rPr lang="zh-TW" altLang="en-US" smtClean="0"/>
               <a:pPr/>
-              <a:t>2018/11/2</a:t>
+              <a:t>2018/10/12</a:t>
             </a:fld>
             <a:endParaRPr lang="zh-TW" altLang="en-US"/>
           </a:p>
@@ -2524,7 +2524,7 @@
             <a:fld id="{BE28A310-4F55-4C17-B227-0167E754C3F0}" type="datetimeFigureOut">
               <a:rPr lang="zh-TW" altLang="en-US" smtClean="0"/>
               <a:pPr/>
-              <a:t>2018/11/2</a:t>
+              <a:t>2018/10/12</a:t>
             </a:fld>
             <a:endParaRPr lang="zh-TW" altLang="en-US"/>
           </a:p>
@@ -2840,7 +2840,7 @@
             <a:fld id="{BE28A310-4F55-4C17-B227-0167E754C3F0}" type="datetimeFigureOut">
               <a:rPr lang="zh-TW" altLang="en-US" smtClean="0"/>
               <a:pPr/>
-              <a:t>2018/11/2</a:t>
+              <a:t>2018/10/12</a:t>
             </a:fld>
             <a:endParaRPr lang="zh-TW" altLang="en-US"/>
           </a:p>
@@ -3161,7 +3161,7 @@
             <a:fld id="{BE28A310-4F55-4C17-B227-0167E754C3F0}" type="datetimeFigureOut">
               <a:rPr lang="zh-TW" altLang="en-US" smtClean="0"/>
               <a:pPr/>
-              <a:t>2018/11/2</a:t>
+              <a:t>2018/10/12</a:t>
             </a:fld>
             <a:endParaRPr lang="zh-TW" altLang="en-US"/>
           </a:p>
@@ -3482,7 +3482,7 @@
             <a:fld id="{BE28A310-4F55-4C17-B227-0167E754C3F0}" type="datetimeFigureOut">
               <a:rPr lang="zh-TW" altLang="en-US" smtClean="0"/>
               <a:pPr/>
-              <a:t>2018/11/2</a:t>
+              <a:t>2018/10/12</a:t>
             </a:fld>
             <a:endParaRPr lang="zh-TW" altLang="en-US"/>
           </a:p>
@@ -3870,7 +3870,7 @@
             <a:fld id="{BE28A310-4F55-4C17-B227-0167E754C3F0}" type="datetimeFigureOut">
               <a:rPr lang="zh-TW" altLang="en-US" smtClean="0"/>
               <a:pPr/>
-              <a:t>2018/11/2</a:t>
+              <a:t>2018/10/12</a:t>
             </a:fld>
             <a:endParaRPr lang="zh-TW" altLang="en-US"/>
           </a:p>
@@ -4252,7 +4252,7 @@
             <a:fld id="{BE28A310-4F55-4C17-B227-0167E754C3F0}" type="datetimeFigureOut">
               <a:rPr lang="zh-TW" altLang="en-US" smtClean="0"/>
               <a:pPr/>
-              <a:t>2018/11/2</a:t>
+              <a:t>2018/10/12</a:t>
             </a:fld>
             <a:endParaRPr lang="zh-TW" altLang="en-US"/>
           </a:p>
@@ -4763,7 +4763,7 @@
             <a:fld id="{BE28A310-4F55-4C17-B227-0167E754C3F0}" type="datetimeFigureOut">
               <a:rPr lang="zh-TW" altLang="en-US" smtClean="0"/>
               <a:pPr/>
-              <a:t>2018/11/2</a:t>
+              <a:t>2018/10/12</a:t>
             </a:fld>
             <a:endParaRPr lang="zh-TW" altLang="en-US"/>
           </a:p>
@@ -5027,7 +5027,7 @@
             <a:fld id="{BE28A310-4F55-4C17-B227-0167E754C3F0}" type="datetimeFigureOut">
               <a:rPr lang="zh-TW" altLang="en-US" smtClean="0"/>
               <a:pPr/>
-              <a:t>2018/11/2</a:t>
+              <a:t>2018/10/12</a:t>
             </a:fld>
             <a:endParaRPr lang="zh-TW" altLang="en-US"/>
           </a:p>
@@ -5263,7 +5263,7 @@
             <a:fld id="{BE28A310-4F55-4C17-B227-0167E754C3F0}" type="datetimeFigureOut">
               <a:rPr lang="zh-TW" altLang="en-US" smtClean="0"/>
               <a:pPr/>
-              <a:t>2018/11/2</a:t>
+              <a:t>2018/10/12</a:t>
             </a:fld>
             <a:endParaRPr lang="zh-TW" altLang="en-US"/>
           </a:p>
@@ -5655,7 +5655,7 @@
             <a:fld id="{BE28A310-4F55-4C17-B227-0167E754C3F0}" type="datetimeFigureOut">
               <a:rPr lang="zh-TW" altLang="en-US" smtClean="0"/>
               <a:pPr/>
-              <a:t>2018/11/2</a:t>
+              <a:t>2018/10/12</a:t>
             </a:fld>
             <a:endParaRPr lang="zh-TW" altLang="en-US"/>
           </a:p>
@@ -6060,7 +6060,7 @@
             <a:fld id="{BE28A310-4F55-4C17-B227-0167E754C3F0}" type="datetimeFigureOut">
               <a:rPr lang="zh-TW" altLang="en-US" smtClean="0"/>
               <a:pPr/>
-              <a:t>2018/11/2</a:t>
+              <a:t>2018/10/12</a:t>
             </a:fld>
             <a:endParaRPr lang="zh-TW" altLang="en-US"/>
           </a:p>
@@ -9053,7 +9053,7 @@
             <a:fld id="{BE28A310-4F55-4C17-B227-0167E754C3F0}" type="datetimeFigureOut">
               <a:rPr lang="zh-TW" altLang="en-US" smtClean="0"/>
               <a:pPr/>
-              <a:t>2018/11/2</a:t>
+              <a:t>2018/10/12</a:t>
             </a:fld>
             <a:endParaRPr lang="zh-TW" altLang="en-US"/>
           </a:p>

--- a/chinese/天父的花園 無拼音.pptx
+++ b/chinese/天父的花園 無拼音.pptx
@@ -10,7 +10,7 @@
     <p:sldId id="259" r:id="rId4"/>
     <p:sldId id="260" r:id="rId5"/>
   </p:sldIdLst>
-  <p:sldSz cx="9144000" cy="6858000" type="screen4x3"/>
+  <p:sldSz cx="9144000" cy="5143500" type="screen16x9"/>
   <p:notesSz cx="6858000" cy="9144000"/>
   <p:defaultTextStyle>
     <a:defPPr>
@@ -152,8 +152,8 @@
         </p:nvSpPr>
         <p:spPr bwMode="auto">
           <a:xfrm>
-            <a:off x="-31750" y="4321175"/>
-            <a:ext cx="1395413" cy="781050"/>
+            <a:off x="-31750" y="3240881"/>
+            <a:ext cx="1395413" cy="585788"/>
           </a:xfrm>
           <a:custGeom>
             <a:avLst/>
@@ -276,8 +276,8 @@
         </p:nvSpPr>
         <p:spPr>
           <a:xfrm>
-            <a:off x="1942416" y="2514601"/>
-            <a:ext cx="6600451" cy="2262781"/>
+            <a:off x="1942417" y="1885951"/>
+            <a:ext cx="6600451" cy="1697086"/>
           </a:xfrm>
         </p:spPr>
         <p:txBody>
@@ -310,8 +310,8 @@
         </p:nvSpPr>
         <p:spPr>
           <a:xfrm>
-            <a:off x="1942416" y="4777380"/>
-            <a:ext cx="6600451" cy="1126283"/>
+            <a:off x="1942417" y="3583036"/>
+            <a:ext cx="6600451" cy="844712"/>
           </a:xfrm>
         </p:spPr>
         <p:txBody>
@@ -440,7 +440,7 @@
             <a:fld id="{BE28A310-4F55-4C17-B227-0167E754C3F0}" type="datetimeFigureOut">
               <a:rPr lang="zh-TW" altLang="en-US" smtClean="0"/>
               <a:pPr/>
-              <a:t>2018/10/12</a:t>
+              <a:t>2020/6/12</a:t>
             </a:fld>
             <a:endParaRPr lang="zh-TW" altLang="en-US"/>
           </a:p>
@@ -481,8 +481,8 @@
         </p:nvSpPr>
         <p:spPr>
           <a:xfrm>
-            <a:off x="423863" y="4529138"/>
-            <a:ext cx="584200" cy="365125"/>
+            <a:off x="423863" y="3396854"/>
+            <a:ext cx="584200" cy="273844"/>
           </a:xfrm>
         </p:spPr>
         <p:txBody>
@@ -537,8 +537,8 @@
         </p:nvSpPr>
         <p:spPr bwMode="auto">
           <a:xfrm flipV="1">
-            <a:off x="0" y="3167063"/>
-            <a:ext cx="1358900" cy="508000"/>
+            <a:off x="0" y="2375297"/>
+            <a:ext cx="1358900" cy="381000"/>
           </a:xfrm>
           <a:custGeom>
             <a:avLst/>
@@ -671,8 +671,8 @@
         </p:nvSpPr>
         <p:spPr>
           <a:xfrm>
-            <a:off x="1942415" y="609600"/>
-            <a:ext cx="6591985" cy="3117040"/>
+            <a:off x="1942415" y="457200"/>
+            <a:ext cx="6591985" cy="2337780"/>
           </a:xfrm>
         </p:spPr>
         <p:txBody>
@@ -705,8 +705,8 @@
         </p:nvSpPr>
         <p:spPr>
           <a:xfrm>
-            <a:off x="1942415" y="4354046"/>
-            <a:ext cx="6591985" cy="1555864"/>
+            <a:off x="1942415" y="3265535"/>
+            <a:ext cx="6591985" cy="1166898"/>
           </a:xfrm>
         </p:spPr>
         <p:txBody>
@@ -837,7 +837,7 @@
             <a:fld id="{BE28A310-4F55-4C17-B227-0167E754C3F0}" type="datetimeFigureOut">
               <a:rPr lang="zh-TW" altLang="en-US" smtClean="0"/>
               <a:pPr/>
-              <a:t>2018/10/12</a:t>
+              <a:t>2020/6/12</a:t>
             </a:fld>
             <a:endParaRPr lang="zh-TW" altLang="en-US"/>
           </a:p>
@@ -878,8 +878,8 @@
         </p:nvSpPr>
         <p:spPr>
           <a:xfrm>
-            <a:off x="511175" y="3244850"/>
-            <a:ext cx="585788" cy="365125"/>
+            <a:off x="511175" y="2433638"/>
+            <a:ext cx="585788" cy="273844"/>
           </a:xfrm>
         </p:spPr>
         <p:txBody>
@@ -934,8 +934,8 @@
         </p:nvSpPr>
         <p:spPr bwMode="auto">
           <a:xfrm flipV="1">
-            <a:off x="0" y="3167063"/>
-            <a:ext cx="1358900" cy="508000"/>
+            <a:off x="0" y="2375297"/>
+            <a:ext cx="1358900" cy="381000"/>
           </a:xfrm>
           <a:custGeom>
             <a:avLst/>
@@ -1066,8 +1066,8 @@
         </p:nvSpPr>
         <p:spPr bwMode="auto">
           <a:xfrm>
-            <a:off x="1808163" y="647700"/>
-            <a:ext cx="457200" cy="585788"/>
+            <a:off x="1808163" y="485775"/>
+            <a:ext cx="457200" cy="439341"/>
           </a:xfrm>
           <a:prstGeom prst="rect">
             <a:avLst/>
@@ -1105,8 +1105,8 @@
         </p:nvSpPr>
         <p:spPr bwMode="auto">
           <a:xfrm>
-            <a:off x="8169275" y="2905125"/>
-            <a:ext cx="457200" cy="584200"/>
+            <a:off x="8169275" y="2178844"/>
+            <a:ext cx="457200" cy="438150"/>
           </a:xfrm>
           <a:prstGeom prst="rect">
             <a:avLst/>
@@ -1146,8 +1146,8 @@
         </p:nvSpPr>
         <p:spPr>
           <a:xfrm>
-            <a:off x="2188123" y="609600"/>
-            <a:ext cx="6109587" cy="2895600"/>
+            <a:off x="2188123" y="457200"/>
+            <a:ext cx="6109587" cy="2171700"/>
           </a:xfrm>
         </p:spPr>
         <p:txBody>
@@ -1180,8 +1180,8 @@
         </p:nvSpPr>
         <p:spPr>
           <a:xfrm>
-            <a:off x="2415972" y="3505200"/>
-            <a:ext cx="5653888" cy="381000"/>
+            <a:off x="2415972" y="2628900"/>
+            <a:ext cx="5653888" cy="285750"/>
           </a:xfrm>
         </p:spPr>
         <p:txBody>
@@ -1243,8 +1243,8 @@
         </p:nvSpPr>
         <p:spPr>
           <a:xfrm>
-            <a:off x="1942415" y="4354046"/>
-            <a:ext cx="6591985" cy="1555864"/>
+            <a:off x="1942415" y="3265535"/>
+            <a:ext cx="6591985" cy="1166898"/>
           </a:xfrm>
         </p:spPr>
         <p:txBody>
@@ -1375,7 +1375,7 @@
             <a:fld id="{BE28A310-4F55-4C17-B227-0167E754C3F0}" type="datetimeFigureOut">
               <a:rPr lang="zh-TW" altLang="en-US" smtClean="0"/>
               <a:pPr/>
-              <a:t>2018/10/12</a:t>
+              <a:t>2020/6/12</a:t>
             </a:fld>
             <a:endParaRPr lang="zh-TW" altLang="en-US"/>
           </a:p>
@@ -1416,8 +1416,8 @@
         </p:nvSpPr>
         <p:spPr>
           <a:xfrm>
-            <a:off x="511175" y="3244850"/>
-            <a:ext cx="585788" cy="365125"/>
+            <a:off x="511175" y="2433638"/>
+            <a:ext cx="585788" cy="273844"/>
           </a:xfrm>
         </p:spPr>
         <p:txBody>
@@ -1472,8 +1472,8 @@
         </p:nvSpPr>
         <p:spPr bwMode="auto">
           <a:xfrm flipV="1">
-            <a:off x="0" y="4910138"/>
-            <a:ext cx="1358900" cy="508000"/>
+            <a:off x="0" y="3682603"/>
+            <a:ext cx="1358900" cy="381000"/>
           </a:xfrm>
           <a:custGeom>
             <a:avLst/>
@@ -1606,8 +1606,8 @@
         </p:nvSpPr>
         <p:spPr>
           <a:xfrm>
-            <a:off x="1942415" y="2438401"/>
-            <a:ext cx="6591985" cy="2724845"/>
+            <a:off x="1942415" y="1828801"/>
+            <a:ext cx="6591985" cy="2043634"/>
           </a:xfrm>
         </p:spPr>
         <p:txBody>
@@ -1640,8 +1640,8 @@
         </p:nvSpPr>
         <p:spPr>
           <a:xfrm>
-            <a:off x="1942415" y="5181600"/>
-            <a:ext cx="6591985" cy="729622"/>
+            <a:off x="1942415" y="3886200"/>
+            <a:ext cx="6591985" cy="547217"/>
           </a:xfrm>
         </p:spPr>
         <p:txBody>
@@ -1692,7 +1692,7 @@
             <a:fld id="{BE28A310-4F55-4C17-B227-0167E754C3F0}" type="datetimeFigureOut">
               <a:rPr lang="zh-TW" altLang="en-US" smtClean="0"/>
               <a:pPr/>
-              <a:t>2018/10/12</a:t>
+              <a:t>2020/6/12</a:t>
             </a:fld>
             <a:endParaRPr lang="zh-TW" altLang="en-US"/>
           </a:p>
@@ -1733,8 +1733,8 @@
         </p:nvSpPr>
         <p:spPr>
           <a:xfrm>
-            <a:off x="511175" y="4983163"/>
-            <a:ext cx="585788" cy="365125"/>
+            <a:off x="511175" y="3737373"/>
+            <a:ext cx="585788" cy="273844"/>
           </a:xfrm>
         </p:spPr>
         <p:txBody>
@@ -1789,8 +1789,8 @@
         </p:nvSpPr>
         <p:spPr bwMode="auto">
           <a:xfrm flipV="1">
-            <a:off x="0" y="4910138"/>
-            <a:ext cx="1358900" cy="508000"/>
+            <a:off x="0" y="3682603"/>
+            <a:ext cx="1358900" cy="381000"/>
           </a:xfrm>
           <a:custGeom>
             <a:avLst/>
@@ -1921,8 +1921,8 @@
         </p:nvSpPr>
         <p:spPr bwMode="auto">
           <a:xfrm>
-            <a:off x="1808163" y="647700"/>
-            <a:ext cx="457200" cy="585788"/>
+            <a:off x="1808163" y="485775"/>
+            <a:ext cx="457200" cy="439341"/>
           </a:xfrm>
           <a:prstGeom prst="rect">
             <a:avLst/>
@@ -1960,8 +1960,8 @@
         </p:nvSpPr>
         <p:spPr bwMode="auto">
           <a:xfrm>
-            <a:off x="8169275" y="2905125"/>
-            <a:ext cx="457200" cy="584200"/>
+            <a:off x="8169275" y="2178844"/>
+            <a:ext cx="457200" cy="438150"/>
           </a:xfrm>
           <a:prstGeom prst="rect">
             <a:avLst/>
@@ -2001,8 +2001,8 @@
         </p:nvSpPr>
         <p:spPr>
           <a:xfrm>
-            <a:off x="2188123" y="609600"/>
-            <a:ext cx="6109587" cy="2895600"/>
+            <a:off x="2188123" y="457200"/>
+            <a:ext cx="6109587" cy="2171700"/>
           </a:xfrm>
         </p:spPr>
         <p:txBody>
@@ -2035,8 +2035,8 @@
         </p:nvSpPr>
         <p:spPr>
           <a:xfrm>
-            <a:off x="1942415" y="4343400"/>
-            <a:ext cx="6688292" cy="838200"/>
+            <a:off x="1942415" y="3257550"/>
+            <a:ext cx="6688292" cy="628650"/>
           </a:xfrm>
         </p:spPr>
         <p:txBody>
@@ -2095,8 +2095,8 @@
         </p:nvSpPr>
         <p:spPr>
           <a:xfrm>
-            <a:off x="1942415" y="5181600"/>
-            <a:ext cx="6688292" cy="729622"/>
+            <a:off x="1942415" y="3886200"/>
+            <a:ext cx="6688292" cy="547217"/>
           </a:xfrm>
         </p:spPr>
         <p:txBody>
@@ -2147,7 +2147,7 @@
             <a:fld id="{BE28A310-4F55-4C17-B227-0167E754C3F0}" type="datetimeFigureOut">
               <a:rPr lang="zh-TW" altLang="en-US" smtClean="0"/>
               <a:pPr/>
-              <a:t>2018/10/12</a:t>
+              <a:t>2020/6/12</a:t>
             </a:fld>
             <a:endParaRPr lang="zh-TW" altLang="en-US"/>
           </a:p>
@@ -2188,8 +2188,8 @@
         </p:nvSpPr>
         <p:spPr>
           <a:xfrm>
-            <a:off x="511175" y="4983163"/>
-            <a:ext cx="585788" cy="365125"/>
+            <a:off x="511175" y="3737373"/>
+            <a:ext cx="585788" cy="273844"/>
           </a:xfrm>
         </p:spPr>
         <p:txBody>
@@ -2244,8 +2244,8 @@
         </p:nvSpPr>
         <p:spPr bwMode="auto">
           <a:xfrm flipV="1">
-            <a:off x="0" y="4910138"/>
-            <a:ext cx="1358900" cy="508000"/>
+            <a:off x="0" y="3682603"/>
+            <a:ext cx="1358900" cy="381000"/>
           </a:xfrm>
           <a:custGeom>
             <a:avLst/>
@@ -2378,8 +2378,8 @@
         </p:nvSpPr>
         <p:spPr>
           <a:xfrm>
-            <a:off x="1942416" y="627407"/>
-            <a:ext cx="6591984" cy="2880020"/>
+            <a:off x="1942416" y="470555"/>
+            <a:ext cx="6591984" cy="2160015"/>
           </a:xfrm>
         </p:spPr>
         <p:txBody>
@@ -2412,8 +2412,8 @@
         </p:nvSpPr>
         <p:spPr>
           <a:xfrm>
-            <a:off x="1942415" y="4343400"/>
-            <a:ext cx="6591985" cy="838200"/>
+            <a:off x="1942415" y="3257550"/>
+            <a:ext cx="6591985" cy="628650"/>
           </a:xfrm>
         </p:spPr>
         <p:txBody>
@@ -2472,8 +2472,8 @@
         </p:nvSpPr>
         <p:spPr>
           <a:xfrm>
-            <a:off x="1942415" y="5181600"/>
-            <a:ext cx="6591985" cy="729622"/>
+            <a:off x="1942415" y="3886200"/>
+            <a:ext cx="6591985" cy="547217"/>
           </a:xfrm>
         </p:spPr>
         <p:txBody>
@@ -2524,7 +2524,7 @@
             <a:fld id="{BE28A310-4F55-4C17-B227-0167E754C3F0}" type="datetimeFigureOut">
               <a:rPr lang="zh-TW" altLang="en-US" smtClean="0"/>
               <a:pPr/>
-              <a:t>2018/10/12</a:t>
+              <a:t>2020/6/12</a:t>
             </a:fld>
             <a:endParaRPr lang="zh-TW" altLang="en-US"/>
           </a:p>
@@ -2565,8 +2565,8 @@
         </p:nvSpPr>
         <p:spPr>
           <a:xfrm>
-            <a:off x="511175" y="4983163"/>
-            <a:ext cx="585788" cy="365125"/>
+            <a:off x="511175" y="3737373"/>
+            <a:ext cx="585788" cy="273844"/>
           </a:xfrm>
         </p:spPr>
         <p:txBody>
@@ -2621,8 +2621,8 @@
         </p:nvSpPr>
         <p:spPr bwMode="auto">
           <a:xfrm flipV="1">
-            <a:off x="0" y="711200"/>
-            <a:ext cx="1358900" cy="508000"/>
+            <a:off x="0" y="533400"/>
+            <a:ext cx="1358900" cy="381000"/>
           </a:xfrm>
           <a:custGeom>
             <a:avLst/>
@@ -2840,7 +2840,7 @@
             <a:fld id="{BE28A310-4F55-4C17-B227-0167E754C3F0}" type="datetimeFigureOut">
               <a:rPr lang="zh-TW" altLang="en-US" smtClean="0"/>
               <a:pPr/>
-              <a:t>2018/10/12</a:t>
+              <a:t>2020/6/12</a:t>
             </a:fld>
             <a:endParaRPr lang="zh-TW" altLang="en-US"/>
           </a:p>
@@ -2932,8 +2932,8 @@
         </p:nvSpPr>
         <p:spPr bwMode="auto">
           <a:xfrm flipV="1">
-            <a:off x="0" y="711200"/>
-            <a:ext cx="1358900" cy="508000"/>
+            <a:off x="0" y="533400"/>
+            <a:ext cx="1358900" cy="381000"/>
           </a:xfrm>
           <a:custGeom>
             <a:avLst/>
@@ -3066,8 +3066,8 @@
         </p:nvSpPr>
         <p:spPr>
           <a:xfrm>
-            <a:off x="6878535" y="627406"/>
-            <a:ext cx="1656132" cy="5283817"/>
+            <a:off x="6878535" y="470555"/>
+            <a:ext cx="1656132" cy="3962863"/>
           </a:xfrm>
         </p:spPr>
         <p:txBody>
@@ -3094,8 +3094,8 @@
         </p:nvSpPr>
         <p:spPr>
           <a:xfrm>
-            <a:off x="1942416" y="627406"/>
-            <a:ext cx="4716348" cy="5283817"/>
+            <a:off x="1942416" y="470555"/>
+            <a:ext cx="4716348" cy="3962863"/>
           </a:xfrm>
         </p:spPr>
         <p:txBody>
@@ -3161,7 +3161,7 @@
             <a:fld id="{BE28A310-4F55-4C17-B227-0167E754C3F0}" type="datetimeFigureOut">
               <a:rPr lang="zh-TW" altLang="en-US" smtClean="0"/>
               <a:pPr/>
-              <a:t>2018/10/12</a:t>
+              <a:t>2020/6/12</a:t>
             </a:fld>
             <a:endParaRPr lang="zh-TW" altLang="en-US"/>
           </a:p>
@@ -3253,8 +3253,8 @@
         </p:nvSpPr>
         <p:spPr bwMode="auto">
           <a:xfrm flipV="1">
-            <a:off x="0" y="711200"/>
-            <a:ext cx="1358900" cy="508000"/>
+            <a:off x="0" y="533400"/>
+            <a:ext cx="1358900" cy="381000"/>
           </a:xfrm>
           <a:custGeom>
             <a:avLst/>
@@ -3387,8 +3387,8 @@
         </p:nvSpPr>
         <p:spPr>
           <a:xfrm>
-            <a:off x="1945201" y="624110"/>
-            <a:ext cx="6589199" cy="1280890"/>
+            <a:off x="1945202" y="468082"/>
+            <a:ext cx="6589199" cy="960668"/>
           </a:xfrm>
         </p:spPr>
         <p:txBody>
@@ -3415,8 +3415,8 @@
         </p:nvSpPr>
         <p:spPr>
           <a:xfrm>
-            <a:off x="1942415" y="2133600"/>
-            <a:ext cx="6591985" cy="3777622"/>
+            <a:off x="1942415" y="1600200"/>
+            <a:ext cx="6591985" cy="2833217"/>
           </a:xfrm>
         </p:spPr>
         <p:txBody>
@@ -3482,7 +3482,7 @@
             <a:fld id="{BE28A310-4F55-4C17-B227-0167E754C3F0}" type="datetimeFigureOut">
               <a:rPr lang="zh-TW" altLang="en-US" smtClean="0"/>
               <a:pPr/>
-              <a:t>2018/10/12</a:t>
+              <a:t>2020/6/12</a:t>
             </a:fld>
             <a:endParaRPr lang="zh-TW" altLang="en-US"/>
           </a:p>
@@ -3574,8 +3574,8 @@
         </p:nvSpPr>
         <p:spPr bwMode="auto">
           <a:xfrm flipV="1">
-            <a:off x="0" y="3167063"/>
-            <a:ext cx="1358900" cy="508000"/>
+            <a:off x="0" y="2375297"/>
+            <a:ext cx="1358900" cy="381000"/>
           </a:xfrm>
           <a:custGeom>
             <a:avLst/>
@@ -3708,8 +3708,8 @@
         </p:nvSpPr>
         <p:spPr>
           <a:xfrm>
-            <a:off x="1942415" y="2074562"/>
-            <a:ext cx="6591985" cy="1468800"/>
+            <a:off x="1942415" y="1555922"/>
+            <a:ext cx="6591985" cy="1101600"/>
           </a:xfrm>
         </p:spPr>
         <p:txBody>
@@ -3740,8 +3740,8 @@
         </p:nvSpPr>
         <p:spPr>
           <a:xfrm>
-            <a:off x="1942415" y="3581400"/>
-            <a:ext cx="6591985" cy="860400"/>
+            <a:off x="1942415" y="2686050"/>
+            <a:ext cx="6591985" cy="645300"/>
           </a:xfrm>
         </p:spPr>
         <p:txBody>
@@ -3870,7 +3870,7 @@
             <a:fld id="{BE28A310-4F55-4C17-B227-0167E754C3F0}" type="datetimeFigureOut">
               <a:rPr lang="zh-TW" altLang="en-US" smtClean="0"/>
               <a:pPr/>
-              <a:t>2018/10/12</a:t>
+              <a:t>2020/6/12</a:t>
             </a:fld>
             <a:endParaRPr lang="zh-TW" altLang="en-US"/>
           </a:p>
@@ -3911,8 +3911,8 @@
         </p:nvSpPr>
         <p:spPr>
           <a:xfrm>
-            <a:off x="511175" y="3244850"/>
-            <a:ext cx="585788" cy="365125"/>
+            <a:off x="511175" y="2433638"/>
+            <a:ext cx="585788" cy="273844"/>
           </a:xfrm>
         </p:spPr>
         <p:txBody>
@@ -3967,8 +3967,8 @@
         </p:nvSpPr>
         <p:spPr bwMode="auto">
           <a:xfrm flipV="1">
-            <a:off x="0" y="711200"/>
-            <a:ext cx="1358900" cy="508000"/>
+            <a:off x="0" y="533400"/>
+            <a:ext cx="1358900" cy="381000"/>
           </a:xfrm>
           <a:custGeom>
             <a:avLst/>
@@ -4124,8 +4124,8 @@
         </p:nvSpPr>
         <p:spPr>
           <a:xfrm>
-            <a:off x="1942416" y="2136706"/>
-            <a:ext cx="3197531" cy="3767397"/>
+            <a:off x="1942417" y="1602530"/>
+            <a:ext cx="3197531" cy="2825548"/>
           </a:xfrm>
         </p:spPr>
         <p:txBody>
@@ -4183,8 +4183,8 @@
         </p:nvSpPr>
         <p:spPr>
           <a:xfrm>
-            <a:off x="5337307" y="2136706"/>
-            <a:ext cx="3197093" cy="3767397"/>
+            <a:off x="5337308" y="1602530"/>
+            <a:ext cx="3197093" cy="2825548"/>
           </a:xfrm>
         </p:spPr>
         <p:txBody>
@@ -4252,7 +4252,7 @@
             <a:fld id="{BE28A310-4F55-4C17-B227-0167E754C3F0}" type="datetimeFigureOut">
               <a:rPr lang="zh-TW" altLang="en-US" smtClean="0"/>
               <a:pPr/>
-              <a:t>2018/10/12</a:t>
+              <a:t>2020/6/12</a:t>
             </a:fld>
             <a:endParaRPr lang="zh-TW" altLang="en-US"/>
           </a:p>
@@ -4344,8 +4344,8 @@
         </p:nvSpPr>
         <p:spPr bwMode="auto">
           <a:xfrm flipV="1">
-            <a:off x="0" y="711200"/>
-            <a:ext cx="1358900" cy="508000"/>
+            <a:off x="0" y="533400"/>
+            <a:ext cx="1358900" cy="381000"/>
           </a:xfrm>
           <a:custGeom>
             <a:avLst/>
@@ -4501,8 +4501,8 @@
         </p:nvSpPr>
         <p:spPr>
           <a:xfrm>
-            <a:off x="2265352" y="2226626"/>
-            <a:ext cx="2874596" cy="576262"/>
+            <a:off x="2265352" y="1669969"/>
+            <a:ext cx="2874596" cy="432197"/>
           </a:xfrm>
         </p:spPr>
         <p:txBody>
@@ -4568,8 +4568,8 @@
         </p:nvSpPr>
         <p:spPr>
           <a:xfrm>
-            <a:off x="1942415" y="2802888"/>
-            <a:ext cx="3197532" cy="3105703"/>
+            <a:off x="1942415" y="2102167"/>
+            <a:ext cx="3197532" cy="2329277"/>
           </a:xfrm>
         </p:spPr>
         <p:txBody>
@@ -4627,8 +4627,8 @@
         </p:nvSpPr>
         <p:spPr>
           <a:xfrm>
-            <a:off x="5656154" y="2223398"/>
-            <a:ext cx="2873239" cy="576262"/>
+            <a:off x="5656155" y="1667548"/>
+            <a:ext cx="2873239" cy="432197"/>
           </a:xfrm>
         </p:spPr>
         <p:txBody>
@@ -4694,8 +4694,8 @@
         </p:nvSpPr>
         <p:spPr>
           <a:xfrm>
-            <a:off x="5333715" y="2799660"/>
-            <a:ext cx="3195680" cy="3105703"/>
+            <a:off x="5333715" y="2099746"/>
+            <a:ext cx="3195680" cy="2329277"/>
           </a:xfrm>
         </p:spPr>
         <p:txBody>
@@ -4763,7 +4763,7 @@
             <a:fld id="{BE28A310-4F55-4C17-B227-0167E754C3F0}" type="datetimeFigureOut">
               <a:rPr lang="zh-TW" altLang="en-US" smtClean="0"/>
               <a:pPr/>
-              <a:t>2018/10/12</a:t>
+              <a:t>2020/6/12</a:t>
             </a:fld>
             <a:endParaRPr lang="zh-TW" altLang="en-US"/>
           </a:p>
@@ -4855,8 +4855,8 @@
         </p:nvSpPr>
         <p:spPr bwMode="auto">
           <a:xfrm flipV="1">
-            <a:off x="0" y="711200"/>
-            <a:ext cx="1358900" cy="508000"/>
+            <a:off x="0" y="533400"/>
+            <a:ext cx="1358900" cy="381000"/>
           </a:xfrm>
           <a:custGeom>
             <a:avLst/>
@@ -4989,8 +4989,8 @@
         </p:nvSpPr>
         <p:spPr>
           <a:xfrm>
-            <a:off x="1945200" y="624110"/>
-            <a:ext cx="6589200" cy="1280890"/>
+            <a:off x="1945200" y="468082"/>
+            <a:ext cx="6589200" cy="960668"/>
           </a:xfrm>
         </p:spPr>
         <p:txBody>
@@ -5027,7 +5027,7 @@
             <a:fld id="{BE28A310-4F55-4C17-B227-0167E754C3F0}" type="datetimeFigureOut">
               <a:rPr lang="zh-TW" altLang="en-US" smtClean="0"/>
               <a:pPr/>
-              <a:t>2018/10/12</a:t>
+              <a:t>2020/6/12</a:t>
             </a:fld>
             <a:endParaRPr lang="zh-TW" altLang="en-US"/>
           </a:p>
@@ -5119,8 +5119,8 @@
         </p:nvSpPr>
         <p:spPr bwMode="auto">
           <a:xfrm flipV="1">
-            <a:off x="0" y="711200"/>
-            <a:ext cx="1358900" cy="508000"/>
+            <a:off x="0" y="533400"/>
+            <a:ext cx="1358900" cy="381000"/>
           </a:xfrm>
           <a:custGeom>
             <a:avLst/>
@@ -5263,7 +5263,7 @@
             <a:fld id="{BE28A310-4F55-4C17-B227-0167E754C3F0}" type="datetimeFigureOut">
               <a:rPr lang="zh-TW" altLang="en-US" smtClean="0"/>
               <a:pPr/>
-              <a:t>2018/10/12</a:t>
+              <a:t>2020/6/12</a:t>
             </a:fld>
             <a:endParaRPr lang="zh-TW" altLang="en-US"/>
           </a:p>
@@ -5355,8 +5355,8 @@
         </p:nvSpPr>
         <p:spPr bwMode="auto">
           <a:xfrm flipV="1">
-            <a:off x="0" y="711200"/>
-            <a:ext cx="1358900" cy="508000"/>
+            <a:off x="0" y="533400"/>
+            <a:ext cx="1358900" cy="381000"/>
           </a:xfrm>
           <a:custGeom>
             <a:avLst/>
@@ -5489,8 +5489,8 @@
         </p:nvSpPr>
         <p:spPr>
           <a:xfrm>
-            <a:off x="1942415" y="446088"/>
-            <a:ext cx="2629584" cy="976312"/>
+            <a:off x="1942415" y="334566"/>
+            <a:ext cx="2629584" cy="732234"/>
           </a:xfrm>
         </p:spPr>
         <p:txBody>
@@ -5521,8 +5521,8 @@
         </p:nvSpPr>
         <p:spPr>
           <a:xfrm>
-            <a:off x="4743494" y="446089"/>
-            <a:ext cx="3790906" cy="5414963"/>
+            <a:off x="4743494" y="334567"/>
+            <a:ext cx="3790906" cy="4061222"/>
           </a:xfrm>
         </p:spPr>
         <p:txBody>
@@ -5580,8 +5580,8 @@
         </p:nvSpPr>
         <p:spPr>
           <a:xfrm>
-            <a:off x="1942415" y="1598613"/>
-            <a:ext cx="2629584" cy="4262436"/>
+            <a:off x="1942415" y="1198960"/>
+            <a:ext cx="2629584" cy="3196827"/>
           </a:xfrm>
         </p:spPr>
         <p:txBody>
@@ -5655,7 +5655,7 @@
             <a:fld id="{BE28A310-4F55-4C17-B227-0167E754C3F0}" type="datetimeFigureOut">
               <a:rPr lang="zh-TW" altLang="en-US" smtClean="0"/>
               <a:pPr/>
-              <a:t>2018/10/12</a:t>
+              <a:t>2020/6/12</a:t>
             </a:fld>
             <a:endParaRPr lang="zh-TW" altLang="en-US"/>
           </a:p>
@@ -5747,8 +5747,8 @@
         </p:nvSpPr>
         <p:spPr bwMode="auto">
           <a:xfrm flipV="1">
-            <a:off x="0" y="4910138"/>
-            <a:ext cx="1358900" cy="508000"/>
+            <a:off x="0" y="3682603"/>
+            <a:ext cx="1358900" cy="381000"/>
           </a:xfrm>
           <a:custGeom>
             <a:avLst/>
@@ -5881,8 +5881,8 @@
         </p:nvSpPr>
         <p:spPr>
           <a:xfrm>
-            <a:off x="1942415" y="4800600"/>
-            <a:ext cx="6591985" cy="566738"/>
+            <a:off x="1942415" y="3600450"/>
+            <a:ext cx="6591985" cy="425054"/>
           </a:xfrm>
         </p:spPr>
         <p:txBody>
@@ -5915,8 +5915,8 @@
         </p:nvSpPr>
         <p:spPr>
           <a:xfrm>
-            <a:off x="1942415" y="634965"/>
-            <a:ext cx="6591985" cy="3854970"/>
+            <a:off x="1942415" y="476224"/>
+            <a:ext cx="6591985" cy="2891228"/>
           </a:xfrm>
         </p:spPr>
         <p:txBody>
@@ -5983,8 +5983,8 @@
         </p:nvSpPr>
         <p:spPr>
           <a:xfrm>
-            <a:off x="1942415" y="5367338"/>
-            <a:ext cx="6591985" cy="493712"/>
+            <a:off x="1942415" y="4025504"/>
+            <a:ext cx="6591985" cy="370284"/>
           </a:xfrm>
         </p:spPr>
         <p:txBody>
@@ -6060,7 +6060,7 @@
             <a:fld id="{BE28A310-4F55-4C17-B227-0167E754C3F0}" type="datetimeFigureOut">
               <a:rPr lang="zh-TW" altLang="en-US" smtClean="0"/>
               <a:pPr/>
-              <a:t>2018/10/12</a:t>
+              <a:t>2020/6/12</a:t>
             </a:fld>
             <a:endParaRPr lang="zh-TW" altLang="en-US"/>
           </a:p>
@@ -6101,8 +6101,8 @@
         </p:nvSpPr>
         <p:spPr>
           <a:xfrm>
-            <a:off x="511175" y="4983163"/>
-            <a:ext cx="585788" cy="365125"/>
+            <a:off x="511175" y="3737373"/>
+            <a:ext cx="585788" cy="273844"/>
           </a:xfrm>
         </p:spPr>
         <p:txBody>
@@ -6162,8 +6162,8 @@
         </p:nvGrpSpPr>
         <p:grpSpPr bwMode="auto">
           <a:xfrm>
-            <a:off x="0" y="228600"/>
-            <a:ext cx="1981200" cy="6638925"/>
+            <a:off x="0" y="171450"/>
+            <a:ext cx="1981200" cy="4979194"/>
             <a:chOff x="2487613" y="285750"/>
             <a:chExt cx="2428875" cy="5654676"/>
           </a:xfrm>
@@ -7483,8 +7483,8 @@
         </p:nvGrpSpPr>
         <p:grpSpPr bwMode="auto">
           <a:xfrm>
-            <a:off x="20638" y="0"/>
-            <a:ext cx="1952625" cy="6853238"/>
+            <a:off x="20639" y="0"/>
+            <a:ext cx="1952625" cy="5139929"/>
             <a:chOff x="6627813" y="195717"/>
             <a:chExt cx="1952625" cy="5678034"/>
           </a:xfrm>
@@ -8875,7 +8875,7 @@
         <p:spPr>
           <a:xfrm>
             <a:off x="0" y="0"/>
-            <a:ext cx="182563" cy="6858000"/>
+            <a:ext cx="182563" cy="5143500"/>
           </a:xfrm>
           <a:prstGeom prst="rect">
             <a:avLst/>
@@ -8915,8 +8915,8 @@
         </p:nvSpPr>
         <p:spPr bwMode="auto">
           <a:xfrm>
-            <a:off x="1944688" y="623888"/>
-            <a:ext cx="6589712" cy="1281112"/>
+            <a:off x="1944688" y="467916"/>
+            <a:ext cx="6589712" cy="960834"/>
           </a:xfrm>
           <a:prstGeom prst="rect">
             <a:avLst/>
@@ -8958,8 +8958,8 @@
         </p:nvSpPr>
         <p:spPr bwMode="auto">
           <a:xfrm>
-            <a:off x="1943100" y="2133600"/>
-            <a:ext cx="6591300" cy="3886200"/>
+            <a:off x="1943100" y="1600200"/>
+            <a:ext cx="6591300" cy="2914650"/>
           </a:xfrm>
           <a:prstGeom prst="rect">
             <a:avLst/>
@@ -9029,8 +9029,8 @@
         </p:nvSpPr>
         <p:spPr>
           <a:xfrm>
-            <a:off x="7772400" y="6135688"/>
-            <a:ext cx="766763" cy="369887"/>
+            <a:off x="7772401" y="4601767"/>
+            <a:ext cx="766763" cy="277415"/>
           </a:xfrm>
           <a:prstGeom prst="rect">
             <a:avLst/>
@@ -9053,7 +9053,7 @@
             <a:fld id="{BE28A310-4F55-4C17-B227-0167E754C3F0}" type="datetimeFigureOut">
               <a:rPr lang="zh-TW" altLang="en-US" smtClean="0"/>
               <a:pPr/>
-              <a:t>2018/10/12</a:t>
+              <a:t>2020/6/12</a:t>
             </a:fld>
             <a:endParaRPr lang="zh-TW" altLang="en-US"/>
           </a:p>
@@ -9071,8 +9071,8 @@
         </p:nvSpPr>
         <p:spPr>
           <a:xfrm>
-            <a:off x="1943100" y="6135688"/>
-            <a:ext cx="5716588" cy="365125"/>
+            <a:off x="1943100" y="4601766"/>
+            <a:ext cx="5716588" cy="273844"/>
           </a:xfrm>
           <a:prstGeom prst="rect">
             <a:avLst/>
@@ -9108,8 +9108,8 @@
         </p:nvSpPr>
         <p:spPr bwMode="gray">
           <a:xfrm>
-            <a:off x="511175" y="787400"/>
-            <a:ext cx="585788" cy="365125"/>
+            <a:off x="511175" y="590550"/>
+            <a:ext cx="585788" cy="273844"/>
           </a:xfrm>
           <a:prstGeom prst="rect">
             <a:avLst/>
@@ -9643,7 +9643,7 @@
         <p:spPr bwMode="auto">
           <a:xfrm>
             <a:off x="0" y="0"/>
-            <a:ext cx="9753600" cy="6896101"/>
+            <a:ext cx="9753600" cy="5172076"/>
           </a:xfrm>
           <a:prstGeom prst="rect">
             <a:avLst/>
@@ -9659,7 +9659,7 @@
         </p:nvSpPr>
         <p:spPr>
           <a:xfrm>
-            <a:off x="0" y="1785926"/>
+            <a:off x="0" y="1339445"/>
             <a:ext cx="9715536" cy="1015663"/>
           </a:xfrm>
           <a:prstGeom prst="rect">
@@ -9744,7 +9744,7 @@
         </p:nvSpPr>
         <p:spPr>
           <a:xfrm>
-            <a:off x="0" y="1214422"/>
+            <a:off x="0" y="910816"/>
             <a:ext cx="9786974" cy="3724096"/>
           </a:xfrm>
           <a:prstGeom prst="rect">
@@ -9939,7 +9939,7 @@
         </p:nvSpPr>
         <p:spPr>
           <a:xfrm>
-            <a:off x="0" y="785794"/>
+            <a:off x="0" y="589346"/>
             <a:ext cx="9144000" cy="4401205"/>
           </a:xfrm>
           <a:prstGeom prst="rect">
@@ -10074,8 +10074,8 @@
         </p:nvSpPr>
         <p:spPr>
           <a:xfrm>
-            <a:off x="1" y="2571744"/>
-            <a:ext cx="9143999" cy="785818"/>
+            <a:off x="2" y="1928808"/>
+            <a:ext cx="9143999" cy="589364"/>
           </a:xfrm>
         </p:spPr>
         <p:txBody>
@@ -10345,7 +10345,7 @@
   <a:extraClrSchemeLst/>
   <a:extLst>
     <a:ext uri="{05A4C25C-085E-4340-85A3-A5531E510DB2}">
-      <thm15:themeFamily xmlns="" xmlns:thm15="http://schemas.microsoft.com/office/thememl/2012/main" name="Wisp" id="{7CB32D59-10C0-40DD-B7BD-2E94284A981C}" vid="{24B1A44C-C006-48B2-A4D7-E5549B3D8CD4}"/>
+      <thm15:themeFamily xmlns:thm15="http://schemas.microsoft.com/office/thememl/2012/main" xmlns="" name="Wisp" id="{7CB32D59-10C0-40DD-B7BD-2E94284A981C}" vid="{24B1A44C-C006-48B2-A4D7-E5549B3D8CD4}"/>
     </a:ext>
   </a:extLst>
 </a:theme>
